--- a/assets/img/Test.pptx
+++ b/assets/img/Test.pptx
@@ -2,13 +2,15 @@
 <file path=ppt/presentation.xml><?xml version="1.0" encoding="utf-8"?>
 <p:presentation xmlns:a="http://schemas.openxmlformats.org/drawingml/2006/main" xmlns:r="http://schemas.openxmlformats.org/officeDocument/2006/relationships" xmlns:p="http://schemas.openxmlformats.org/presentationml/2006/main" saveSubsetFonts="1">
   <p:sldMasterIdLst>
-    <p:sldMasterId id="2147483708" r:id="rId1"/>
+    <p:sldMasterId id="2147483720" r:id="rId1"/>
   </p:sldMasterIdLst>
   <p:sldIdLst>
     <p:sldId id="256" r:id="rId2"/>
     <p:sldId id="257" r:id="rId3"/>
+    <p:sldId id="258" r:id="rId4"/>
+    <p:sldId id="259" r:id="rId5"/>
   </p:sldIdLst>
-  <p:sldSz cx="7199313" cy="5580063"/>
+  <p:sldSz cx="4873625" cy="4873625"/>
   <p:notesSz cx="6858000" cy="9144000"/>
   <p:defaultTextStyle>
     <a:defPPr>
@@ -105,6 +107,11 @@
       </a:defRPr>
     </a:lvl9pPr>
   </p:defaultTextStyle>
+  <p:extLst>
+    <p:ext uri="{EFAFB233-063F-42B5-8137-9DF3F51BA10A}">
+      <p15:sldGuideLst xmlns:p15="http://schemas.microsoft.com/office/powerpoint/2012/main"/>
+    </p:ext>
+  </p:extLst>
 </p:presentation>
 </file>
 
@@ -137,15 +144,15 @@
         </p:nvSpPr>
         <p:spPr>
           <a:xfrm>
-            <a:off x="539949" y="913219"/>
-            <a:ext cx="6119416" cy="1942689"/>
+            <a:off x="365522" y="797605"/>
+            <a:ext cx="4142581" cy="1696744"/>
           </a:xfrm>
         </p:spPr>
         <p:txBody>
           <a:bodyPr anchor="b"/>
           <a:lstStyle>
             <a:lvl1pPr algn="ctr">
-              <a:defRPr sz="4724"/>
+              <a:defRPr sz="3198"/>
             </a:lvl1pPr>
           </a:lstStyle>
           <a:p>
@@ -169,8 +176,8 @@
         </p:nvSpPr>
         <p:spPr>
           <a:xfrm>
-            <a:off x="899914" y="2930825"/>
-            <a:ext cx="5399485" cy="1347223"/>
+            <a:off x="609203" y="2559782"/>
+            <a:ext cx="3655219" cy="1176664"/>
           </a:xfrm>
         </p:spPr>
         <p:txBody>
@@ -178,39 +185,39 @@
           <a:lstStyle>
             <a:lvl1pPr marL="0" indent="0" algn="ctr">
               <a:buNone/>
-              <a:defRPr sz="1890"/>
+              <a:defRPr sz="1279"/>
             </a:lvl1pPr>
-            <a:lvl2pPr marL="359954" indent="0" algn="ctr">
-              <a:buNone/>
-              <a:defRPr sz="1575"/>
+            <a:lvl2pPr marL="243688" indent="0" algn="ctr">
+              <a:buNone/>
+              <a:defRPr sz="1066"/>
             </a:lvl2pPr>
-            <a:lvl3pPr marL="719907" indent="0" algn="ctr">
-              <a:buNone/>
-              <a:defRPr sz="1417"/>
+            <a:lvl3pPr marL="487375" indent="0" algn="ctr">
+              <a:buNone/>
+              <a:defRPr sz="959"/>
             </a:lvl3pPr>
-            <a:lvl4pPr marL="1079861" indent="0" algn="ctr">
-              <a:buNone/>
-              <a:defRPr sz="1260"/>
+            <a:lvl4pPr marL="731063" indent="0" algn="ctr">
+              <a:buNone/>
+              <a:defRPr sz="853"/>
             </a:lvl4pPr>
-            <a:lvl5pPr marL="1439814" indent="0" algn="ctr">
-              <a:buNone/>
-              <a:defRPr sz="1260"/>
+            <a:lvl5pPr marL="974750" indent="0" algn="ctr">
+              <a:buNone/>
+              <a:defRPr sz="853"/>
             </a:lvl5pPr>
-            <a:lvl6pPr marL="1799768" indent="0" algn="ctr">
-              <a:buNone/>
-              <a:defRPr sz="1260"/>
+            <a:lvl6pPr marL="1218438" indent="0" algn="ctr">
+              <a:buNone/>
+              <a:defRPr sz="853"/>
             </a:lvl6pPr>
-            <a:lvl7pPr marL="2159721" indent="0" algn="ctr">
-              <a:buNone/>
-              <a:defRPr sz="1260"/>
+            <a:lvl7pPr marL="1462126" indent="0" algn="ctr">
+              <a:buNone/>
+              <a:defRPr sz="853"/>
             </a:lvl7pPr>
-            <a:lvl8pPr marL="2519675" indent="0" algn="ctr">
-              <a:buNone/>
-              <a:defRPr sz="1260"/>
+            <a:lvl8pPr marL="1705813" indent="0" algn="ctr">
+              <a:buNone/>
+              <a:defRPr sz="853"/>
             </a:lvl8pPr>
-            <a:lvl9pPr marL="2879628" indent="0" algn="ctr">
-              <a:buNone/>
-              <a:defRPr sz="1260"/>
+            <a:lvl9pPr marL="1949501" indent="0" algn="ctr">
+              <a:buNone/>
+              <a:defRPr sz="853"/>
             </a:lvl9pPr>
           </a:lstStyle>
           <a:p>
@@ -239,7 +246,7 @@
           <a:p>
             <a:fld id="{82ABFB1E-6458-49F0-BDF0-5B5CA42B67B7}" type="datetimeFigureOut">
               <a:rPr lang="en-CA" smtClean="0"/>
-              <a:t>2022-08-21</a:t>
+              <a:t>2022-08-26</a:t>
             </a:fld>
             <a:endParaRPr lang="en-CA"/>
           </a:p>
@@ -290,7 +297,7 @@
     </p:spTree>
     <p:extLst>
       <p:ext uri="{BB962C8B-B14F-4D97-AF65-F5344CB8AC3E}">
-        <p14:creationId xmlns:p14="http://schemas.microsoft.com/office/powerpoint/2010/main" val="1604205489"/>
+        <p14:creationId xmlns:p14="http://schemas.microsoft.com/office/powerpoint/2010/main" val="3499186407"/>
       </p:ext>
     </p:extLst>
   </p:cSld>
@@ -409,7 +416,7 @@
           <a:p>
             <a:fld id="{82ABFB1E-6458-49F0-BDF0-5B5CA42B67B7}" type="datetimeFigureOut">
               <a:rPr lang="en-CA" smtClean="0"/>
-              <a:t>2022-08-21</a:t>
+              <a:t>2022-08-26</a:t>
             </a:fld>
             <a:endParaRPr lang="en-CA"/>
           </a:p>
@@ -460,7 +467,7 @@
     </p:spTree>
     <p:extLst>
       <p:ext uri="{BB962C8B-B14F-4D97-AF65-F5344CB8AC3E}">
-        <p14:creationId xmlns:p14="http://schemas.microsoft.com/office/powerpoint/2010/main" val="3274926981"/>
+        <p14:creationId xmlns:p14="http://schemas.microsoft.com/office/powerpoint/2010/main" val="275717427"/>
       </p:ext>
     </p:extLst>
   </p:cSld>
@@ -499,8 +506,8 @@
         </p:nvSpPr>
         <p:spPr>
           <a:xfrm>
-            <a:off x="5152009" y="297087"/>
-            <a:ext cx="1552352" cy="4728845"/>
+            <a:off x="3487688" y="259475"/>
+            <a:ext cx="1050875" cy="4130172"/>
           </a:xfrm>
         </p:spPr>
         <p:txBody>
@@ -527,8 +534,8 @@
         </p:nvSpPr>
         <p:spPr>
           <a:xfrm>
-            <a:off x="494953" y="297087"/>
-            <a:ext cx="4567064" cy="4728845"/>
+            <a:off x="335062" y="259475"/>
+            <a:ext cx="3091706" cy="4130172"/>
           </a:xfrm>
         </p:spPr>
         <p:txBody>
@@ -589,7 +596,7 @@
           <a:p>
             <a:fld id="{82ABFB1E-6458-49F0-BDF0-5B5CA42B67B7}" type="datetimeFigureOut">
               <a:rPr lang="en-CA" smtClean="0"/>
-              <a:t>2022-08-21</a:t>
+              <a:t>2022-08-26</a:t>
             </a:fld>
             <a:endParaRPr lang="en-CA"/>
           </a:p>
@@ -640,7 +647,7 @@
     </p:spTree>
     <p:extLst>
       <p:ext uri="{BB962C8B-B14F-4D97-AF65-F5344CB8AC3E}">
-        <p14:creationId xmlns:p14="http://schemas.microsoft.com/office/powerpoint/2010/main" val="3406080743"/>
+        <p14:creationId xmlns:p14="http://schemas.microsoft.com/office/powerpoint/2010/main" val="26887746"/>
       </p:ext>
     </p:extLst>
   </p:cSld>
@@ -759,7 +766,7 @@
           <a:p>
             <a:fld id="{82ABFB1E-6458-49F0-BDF0-5B5CA42B67B7}" type="datetimeFigureOut">
               <a:rPr lang="en-CA" smtClean="0"/>
-              <a:t>2022-08-21</a:t>
+              <a:t>2022-08-26</a:t>
             </a:fld>
             <a:endParaRPr lang="en-CA"/>
           </a:p>
@@ -810,7 +817,7 @@
     </p:spTree>
     <p:extLst>
       <p:ext uri="{BB962C8B-B14F-4D97-AF65-F5344CB8AC3E}">
-        <p14:creationId xmlns:p14="http://schemas.microsoft.com/office/powerpoint/2010/main" val="3588678896"/>
+        <p14:creationId xmlns:p14="http://schemas.microsoft.com/office/powerpoint/2010/main" val="894279313"/>
       </p:ext>
     </p:extLst>
   </p:cSld>
@@ -849,15 +856,15 @@
         </p:nvSpPr>
         <p:spPr>
           <a:xfrm>
-            <a:off x="491204" y="1391142"/>
-            <a:ext cx="6209407" cy="2321151"/>
+            <a:off x="332523" y="1215023"/>
+            <a:ext cx="4203502" cy="2027292"/>
           </a:xfrm>
         </p:spPr>
         <p:txBody>
           <a:bodyPr anchor="b"/>
           <a:lstStyle>
             <a:lvl1pPr>
-              <a:defRPr sz="4724"/>
+              <a:defRPr sz="3198"/>
             </a:lvl1pPr>
           </a:lstStyle>
           <a:p>
@@ -881,8 +888,8 @@
         </p:nvSpPr>
         <p:spPr>
           <a:xfrm>
-            <a:off x="491204" y="3734252"/>
-            <a:ext cx="6209407" cy="1220638"/>
+            <a:off x="332523" y="3261495"/>
+            <a:ext cx="4203502" cy="1066105"/>
           </a:xfrm>
         </p:spPr>
         <p:txBody>
@@ -890,15 +897,15 @@
           <a:lstStyle>
             <a:lvl1pPr marL="0" indent="0">
               <a:buNone/>
-              <a:defRPr sz="1890">
+              <a:defRPr sz="1279">
                 <a:solidFill>
                   <a:schemeClr val="tx1"/>
                 </a:solidFill>
               </a:defRPr>
             </a:lvl1pPr>
-            <a:lvl2pPr marL="359954" indent="0">
-              <a:buNone/>
-              <a:defRPr sz="1575">
+            <a:lvl2pPr marL="243688" indent="0">
+              <a:buNone/>
+              <a:defRPr sz="1066">
                 <a:solidFill>
                   <a:schemeClr val="tx1">
                     <a:tint val="75000"/>
@@ -906,9 +913,9 @@
                 </a:solidFill>
               </a:defRPr>
             </a:lvl2pPr>
-            <a:lvl3pPr marL="719907" indent="0">
-              <a:buNone/>
-              <a:defRPr sz="1417">
+            <a:lvl3pPr marL="487375" indent="0">
+              <a:buNone/>
+              <a:defRPr sz="959">
                 <a:solidFill>
                   <a:schemeClr val="tx1">
                     <a:tint val="75000"/>
@@ -916,9 +923,9 @@
                 </a:solidFill>
               </a:defRPr>
             </a:lvl3pPr>
-            <a:lvl4pPr marL="1079861" indent="0">
-              <a:buNone/>
-              <a:defRPr sz="1260">
+            <a:lvl4pPr marL="731063" indent="0">
+              <a:buNone/>
+              <a:defRPr sz="853">
                 <a:solidFill>
                   <a:schemeClr val="tx1">
                     <a:tint val="75000"/>
@@ -926,9 +933,9 @@
                 </a:solidFill>
               </a:defRPr>
             </a:lvl4pPr>
-            <a:lvl5pPr marL="1439814" indent="0">
-              <a:buNone/>
-              <a:defRPr sz="1260">
+            <a:lvl5pPr marL="974750" indent="0">
+              <a:buNone/>
+              <a:defRPr sz="853">
                 <a:solidFill>
                   <a:schemeClr val="tx1">
                     <a:tint val="75000"/>
@@ -936,9 +943,9 @@
                 </a:solidFill>
               </a:defRPr>
             </a:lvl5pPr>
-            <a:lvl6pPr marL="1799768" indent="0">
-              <a:buNone/>
-              <a:defRPr sz="1260">
+            <a:lvl6pPr marL="1218438" indent="0">
+              <a:buNone/>
+              <a:defRPr sz="853">
                 <a:solidFill>
                   <a:schemeClr val="tx1">
                     <a:tint val="75000"/>
@@ -946,9 +953,9 @@
                 </a:solidFill>
               </a:defRPr>
             </a:lvl6pPr>
-            <a:lvl7pPr marL="2159721" indent="0">
-              <a:buNone/>
-              <a:defRPr sz="1260">
+            <a:lvl7pPr marL="1462126" indent="0">
+              <a:buNone/>
+              <a:defRPr sz="853">
                 <a:solidFill>
                   <a:schemeClr val="tx1">
                     <a:tint val="75000"/>
@@ -956,9 +963,9 @@
                 </a:solidFill>
               </a:defRPr>
             </a:lvl7pPr>
-            <a:lvl8pPr marL="2519675" indent="0">
-              <a:buNone/>
-              <a:defRPr sz="1260">
+            <a:lvl8pPr marL="1705813" indent="0">
+              <a:buNone/>
+              <a:defRPr sz="853">
                 <a:solidFill>
                   <a:schemeClr val="tx1">
                     <a:tint val="75000"/>
@@ -966,9 +973,9 @@
                 </a:solidFill>
               </a:defRPr>
             </a:lvl8pPr>
-            <a:lvl9pPr marL="2879628" indent="0">
-              <a:buNone/>
-              <a:defRPr sz="1260">
+            <a:lvl9pPr marL="1949501" indent="0">
+              <a:buNone/>
+              <a:defRPr sz="853">
                 <a:solidFill>
                   <a:schemeClr val="tx1">
                     <a:tint val="75000"/>
@@ -1003,7 +1010,7 @@
           <a:p>
             <a:fld id="{82ABFB1E-6458-49F0-BDF0-5B5CA42B67B7}" type="datetimeFigureOut">
               <a:rPr lang="en-CA" smtClean="0"/>
-              <a:t>2022-08-21</a:t>
+              <a:t>2022-08-26</a:t>
             </a:fld>
             <a:endParaRPr lang="en-CA"/>
           </a:p>
@@ -1054,7 +1061,7 @@
     </p:spTree>
     <p:extLst>
       <p:ext uri="{BB962C8B-B14F-4D97-AF65-F5344CB8AC3E}">
-        <p14:creationId xmlns:p14="http://schemas.microsoft.com/office/powerpoint/2010/main" val="1119200530"/>
+        <p14:creationId xmlns:p14="http://schemas.microsoft.com/office/powerpoint/2010/main" val="1664797688"/>
       </p:ext>
     </p:extLst>
   </p:cSld>
@@ -1116,8 +1123,8 @@
         </p:nvSpPr>
         <p:spPr>
           <a:xfrm>
-            <a:off x="494953" y="1485433"/>
-            <a:ext cx="3059708" cy="3540499"/>
+            <a:off x="335062" y="1297377"/>
+            <a:ext cx="2071291" cy="3092270"/>
           </a:xfrm>
         </p:spPr>
         <p:txBody>
@@ -1173,8 +1180,8 @@
         </p:nvSpPr>
         <p:spPr>
           <a:xfrm>
-            <a:off x="3644652" y="1485433"/>
-            <a:ext cx="3059708" cy="3540499"/>
+            <a:off x="2467272" y="1297377"/>
+            <a:ext cx="2071291" cy="3092270"/>
           </a:xfrm>
         </p:spPr>
         <p:txBody>
@@ -1235,7 +1242,7 @@
           <a:p>
             <a:fld id="{82ABFB1E-6458-49F0-BDF0-5B5CA42B67B7}" type="datetimeFigureOut">
               <a:rPr lang="en-CA" smtClean="0"/>
-              <a:t>2022-08-21</a:t>
+              <a:t>2022-08-26</a:t>
             </a:fld>
             <a:endParaRPr lang="en-CA"/>
           </a:p>
@@ -1286,7 +1293,7 @@
     </p:spTree>
     <p:extLst>
       <p:ext uri="{BB962C8B-B14F-4D97-AF65-F5344CB8AC3E}">
-        <p14:creationId xmlns:p14="http://schemas.microsoft.com/office/powerpoint/2010/main" val="1898130851"/>
+        <p14:creationId xmlns:p14="http://schemas.microsoft.com/office/powerpoint/2010/main" val="1986345236"/>
       </p:ext>
     </p:extLst>
   </p:cSld>
@@ -1325,8 +1332,8 @@
         </p:nvSpPr>
         <p:spPr>
           <a:xfrm>
-            <a:off x="495891" y="297088"/>
-            <a:ext cx="6209407" cy="1078554"/>
+            <a:off x="335696" y="259476"/>
+            <a:ext cx="4203502" cy="942009"/>
           </a:xfrm>
         </p:spPr>
         <p:txBody>
@@ -1353,8 +1360,8 @@
         </p:nvSpPr>
         <p:spPr>
           <a:xfrm>
-            <a:off x="495891" y="1367891"/>
-            <a:ext cx="3045646" cy="670382"/>
+            <a:off x="335697" y="1194715"/>
+            <a:ext cx="2061771" cy="585512"/>
           </a:xfrm>
         </p:spPr>
         <p:txBody>
@@ -1362,39 +1369,39 @@
           <a:lstStyle>
             <a:lvl1pPr marL="0" indent="0">
               <a:buNone/>
-              <a:defRPr sz="1890" b="1"/>
+              <a:defRPr sz="1279" b="1"/>
             </a:lvl1pPr>
-            <a:lvl2pPr marL="359954" indent="0">
-              <a:buNone/>
-              <a:defRPr sz="1575" b="1"/>
+            <a:lvl2pPr marL="243688" indent="0">
+              <a:buNone/>
+              <a:defRPr sz="1066" b="1"/>
             </a:lvl2pPr>
-            <a:lvl3pPr marL="719907" indent="0">
-              <a:buNone/>
-              <a:defRPr sz="1417" b="1"/>
+            <a:lvl3pPr marL="487375" indent="0">
+              <a:buNone/>
+              <a:defRPr sz="959" b="1"/>
             </a:lvl3pPr>
-            <a:lvl4pPr marL="1079861" indent="0">
-              <a:buNone/>
-              <a:defRPr sz="1260" b="1"/>
+            <a:lvl4pPr marL="731063" indent="0">
+              <a:buNone/>
+              <a:defRPr sz="853" b="1"/>
             </a:lvl4pPr>
-            <a:lvl5pPr marL="1439814" indent="0">
-              <a:buNone/>
-              <a:defRPr sz="1260" b="1"/>
+            <a:lvl5pPr marL="974750" indent="0">
+              <a:buNone/>
+              <a:defRPr sz="853" b="1"/>
             </a:lvl5pPr>
-            <a:lvl6pPr marL="1799768" indent="0">
-              <a:buNone/>
-              <a:defRPr sz="1260" b="1"/>
+            <a:lvl6pPr marL="1218438" indent="0">
+              <a:buNone/>
+              <a:defRPr sz="853" b="1"/>
             </a:lvl6pPr>
-            <a:lvl7pPr marL="2159721" indent="0">
-              <a:buNone/>
-              <a:defRPr sz="1260" b="1"/>
+            <a:lvl7pPr marL="1462126" indent="0">
+              <a:buNone/>
+              <a:defRPr sz="853" b="1"/>
             </a:lvl7pPr>
-            <a:lvl8pPr marL="2519675" indent="0">
-              <a:buNone/>
-              <a:defRPr sz="1260" b="1"/>
+            <a:lvl8pPr marL="1705813" indent="0">
+              <a:buNone/>
+              <a:defRPr sz="853" b="1"/>
             </a:lvl8pPr>
-            <a:lvl9pPr marL="2879628" indent="0">
-              <a:buNone/>
-              <a:defRPr sz="1260" b="1"/>
+            <a:lvl9pPr marL="1949501" indent="0">
+              <a:buNone/>
+              <a:defRPr sz="853" b="1"/>
             </a:lvl9pPr>
           </a:lstStyle>
           <a:p>
@@ -1418,8 +1425,8 @@
         </p:nvSpPr>
         <p:spPr>
           <a:xfrm>
-            <a:off x="495891" y="2038273"/>
-            <a:ext cx="3045646" cy="2997993"/>
+            <a:off x="335697" y="1780227"/>
+            <a:ext cx="2061771" cy="2618446"/>
           </a:xfrm>
         </p:spPr>
         <p:txBody>
@@ -1475,8 +1482,8 @@
         </p:nvSpPr>
         <p:spPr>
           <a:xfrm>
-            <a:off x="3644652" y="1367891"/>
-            <a:ext cx="3060646" cy="670382"/>
+            <a:off x="2467273" y="1194715"/>
+            <a:ext cx="2071925" cy="585512"/>
           </a:xfrm>
         </p:spPr>
         <p:txBody>
@@ -1484,39 +1491,39 @@
           <a:lstStyle>
             <a:lvl1pPr marL="0" indent="0">
               <a:buNone/>
-              <a:defRPr sz="1890" b="1"/>
+              <a:defRPr sz="1279" b="1"/>
             </a:lvl1pPr>
-            <a:lvl2pPr marL="359954" indent="0">
-              <a:buNone/>
-              <a:defRPr sz="1575" b="1"/>
+            <a:lvl2pPr marL="243688" indent="0">
+              <a:buNone/>
+              <a:defRPr sz="1066" b="1"/>
             </a:lvl2pPr>
-            <a:lvl3pPr marL="719907" indent="0">
-              <a:buNone/>
-              <a:defRPr sz="1417" b="1"/>
+            <a:lvl3pPr marL="487375" indent="0">
+              <a:buNone/>
+              <a:defRPr sz="959" b="1"/>
             </a:lvl3pPr>
-            <a:lvl4pPr marL="1079861" indent="0">
-              <a:buNone/>
-              <a:defRPr sz="1260" b="1"/>
+            <a:lvl4pPr marL="731063" indent="0">
+              <a:buNone/>
+              <a:defRPr sz="853" b="1"/>
             </a:lvl4pPr>
-            <a:lvl5pPr marL="1439814" indent="0">
-              <a:buNone/>
-              <a:defRPr sz="1260" b="1"/>
+            <a:lvl5pPr marL="974750" indent="0">
+              <a:buNone/>
+              <a:defRPr sz="853" b="1"/>
             </a:lvl5pPr>
-            <a:lvl6pPr marL="1799768" indent="0">
-              <a:buNone/>
-              <a:defRPr sz="1260" b="1"/>
+            <a:lvl6pPr marL="1218438" indent="0">
+              <a:buNone/>
+              <a:defRPr sz="853" b="1"/>
             </a:lvl6pPr>
-            <a:lvl7pPr marL="2159721" indent="0">
-              <a:buNone/>
-              <a:defRPr sz="1260" b="1"/>
+            <a:lvl7pPr marL="1462126" indent="0">
+              <a:buNone/>
+              <a:defRPr sz="853" b="1"/>
             </a:lvl7pPr>
-            <a:lvl8pPr marL="2519675" indent="0">
-              <a:buNone/>
-              <a:defRPr sz="1260" b="1"/>
+            <a:lvl8pPr marL="1705813" indent="0">
+              <a:buNone/>
+              <a:defRPr sz="853" b="1"/>
             </a:lvl8pPr>
-            <a:lvl9pPr marL="2879628" indent="0">
-              <a:buNone/>
-              <a:defRPr sz="1260" b="1"/>
+            <a:lvl9pPr marL="1949501" indent="0">
+              <a:buNone/>
+              <a:defRPr sz="853" b="1"/>
             </a:lvl9pPr>
           </a:lstStyle>
           <a:p>
@@ -1540,8 +1547,8 @@
         </p:nvSpPr>
         <p:spPr>
           <a:xfrm>
-            <a:off x="3644652" y="2038273"/>
-            <a:ext cx="3060646" cy="2997993"/>
+            <a:off x="2467273" y="1780227"/>
+            <a:ext cx="2071925" cy="2618446"/>
           </a:xfrm>
         </p:spPr>
         <p:txBody>
@@ -1602,7 +1609,7 @@
           <a:p>
             <a:fld id="{82ABFB1E-6458-49F0-BDF0-5B5CA42B67B7}" type="datetimeFigureOut">
               <a:rPr lang="en-CA" smtClean="0"/>
-              <a:t>2022-08-21</a:t>
+              <a:t>2022-08-26</a:t>
             </a:fld>
             <a:endParaRPr lang="en-CA"/>
           </a:p>
@@ -1653,7 +1660,7 @@
     </p:spTree>
     <p:extLst>
       <p:ext uri="{BB962C8B-B14F-4D97-AF65-F5344CB8AC3E}">
-        <p14:creationId xmlns:p14="http://schemas.microsoft.com/office/powerpoint/2010/main" val="2622645262"/>
+        <p14:creationId xmlns:p14="http://schemas.microsoft.com/office/powerpoint/2010/main" val="4189608329"/>
       </p:ext>
     </p:extLst>
   </p:cSld>
@@ -1720,7 +1727,7 @@
           <a:p>
             <a:fld id="{82ABFB1E-6458-49F0-BDF0-5B5CA42B67B7}" type="datetimeFigureOut">
               <a:rPr lang="en-CA" smtClean="0"/>
-              <a:t>2022-08-21</a:t>
+              <a:t>2022-08-26</a:t>
             </a:fld>
             <a:endParaRPr lang="en-CA"/>
           </a:p>
@@ -1771,7 +1778,7 @@
     </p:spTree>
     <p:extLst>
       <p:ext uri="{BB962C8B-B14F-4D97-AF65-F5344CB8AC3E}">
-        <p14:creationId xmlns:p14="http://schemas.microsoft.com/office/powerpoint/2010/main" val="2509203605"/>
+        <p14:creationId xmlns:p14="http://schemas.microsoft.com/office/powerpoint/2010/main" val="819904587"/>
       </p:ext>
     </p:extLst>
   </p:cSld>
@@ -1815,7 +1822,7 @@
           <a:p>
             <a:fld id="{82ABFB1E-6458-49F0-BDF0-5B5CA42B67B7}" type="datetimeFigureOut">
               <a:rPr lang="en-CA" smtClean="0"/>
-              <a:t>2022-08-21</a:t>
+              <a:t>2022-08-26</a:t>
             </a:fld>
             <a:endParaRPr lang="en-CA"/>
           </a:p>
@@ -1866,7 +1873,7 @@
     </p:spTree>
     <p:extLst>
       <p:ext uri="{BB962C8B-B14F-4D97-AF65-F5344CB8AC3E}">
-        <p14:creationId xmlns:p14="http://schemas.microsoft.com/office/powerpoint/2010/main" val="729916778"/>
+        <p14:creationId xmlns:p14="http://schemas.microsoft.com/office/powerpoint/2010/main" val="2052216122"/>
       </p:ext>
     </p:extLst>
   </p:cSld>
@@ -1905,15 +1912,15 @@
         </p:nvSpPr>
         <p:spPr>
           <a:xfrm>
-            <a:off x="495890" y="372004"/>
-            <a:ext cx="2321966" cy="1302015"/>
+            <a:off x="335696" y="324908"/>
+            <a:ext cx="1571871" cy="1137179"/>
           </a:xfrm>
         </p:spPr>
         <p:txBody>
           <a:bodyPr anchor="b"/>
           <a:lstStyle>
             <a:lvl1pPr>
-              <a:defRPr sz="2519"/>
+              <a:defRPr sz="1706"/>
             </a:lvl1pPr>
           </a:lstStyle>
           <a:p>
@@ -1937,39 +1944,39 @@
         </p:nvSpPr>
         <p:spPr>
           <a:xfrm>
-            <a:off x="3060646" y="803427"/>
-            <a:ext cx="3644652" cy="3965461"/>
+            <a:off x="2071925" y="701713"/>
+            <a:ext cx="2467273" cy="3463433"/>
           </a:xfrm>
         </p:spPr>
         <p:txBody>
           <a:bodyPr/>
           <a:lstStyle>
             <a:lvl1pPr>
-              <a:defRPr sz="2519"/>
+              <a:defRPr sz="1706"/>
             </a:lvl1pPr>
             <a:lvl2pPr>
-              <a:defRPr sz="2204"/>
+              <a:defRPr sz="1492"/>
             </a:lvl2pPr>
             <a:lvl3pPr>
-              <a:defRPr sz="1890"/>
+              <a:defRPr sz="1279"/>
             </a:lvl3pPr>
             <a:lvl4pPr>
-              <a:defRPr sz="1575"/>
+              <a:defRPr sz="1066"/>
             </a:lvl4pPr>
             <a:lvl5pPr>
-              <a:defRPr sz="1575"/>
+              <a:defRPr sz="1066"/>
             </a:lvl5pPr>
             <a:lvl6pPr>
-              <a:defRPr sz="1575"/>
+              <a:defRPr sz="1066"/>
             </a:lvl6pPr>
             <a:lvl7pPr>
-              <a:defRPr sz="1575"/>
+              <a:defRPr sz="1066"/>
             </a:lvl7pPr>
             <a:lvl8pPr>
-              <a:defRPr sz="1575"/>
+              <a:defRPr sz="1066"/>
             </a:lvl8pPr>
             <a:lvl9pPr>
-              <a:defRPr sz="1575"/>
+              <a:defRPr sz="1066"/>
             </a:lvl9pPr>
           </a:lstStyle>
           <a:p>
@@ -2022,8 +2029,8 @@
         </p:nvSpPr>
         <p:spPr>
           <a:xfrm>
-            <a:off x="495890" y="1674019"/>
-            <a:ext cx="2321966" cy="3101327"/>
+            <a:off x="335696" y="1462087"/>
+            <a:ext cx="1571871" cy="2708698"/>
           </a:xfrm>
         </p:spPr>
         <p:txBody>
@@ -2031,39 +2038,39 @@
           <a:lstStyle>
             <a:lvl1pPr marL="0" indent="0">
               <a:buNone/>
-              <a:defRPr sz="1260"/>
+              <a:defRPr sz="853"/>
             </a:lvl1pPr>
-            <a:lvl2pPr marL="359954" indent="0">
-              <a:buNone/>
-              <a:defRPr sz="1102"/>
+            <a:lvl2pPr marL="243688" indent="0">
+              <a:buNone/>
+              <a:defRPr sz="746"/>
             </a:lvl2pPr>
-            <a:lvl3pPr marL="719907" indent="0">
-              <a:buNone/>
-              <a:defRPr sz="945"/>
+            <a:lvl3pPr marL="487375" indent="0">
+              <a:buNone/>
+              <a:defRPr sz="640"/>
             </a:lvl3pPr>
-            <a:lvl4pPr marL="1079861" indent="0">
-              <a:buNone/>
-              <a:defRPr sz="787"/>
+            <a:lvl4pPr marL="731063" indent="0">
+              <a:buNone/>
+              <a:defRPr sz="533"/>
             </a:lvl4pPr>
-            <a:lvl5pPr marL="1439814" indent="0">
-              <a:buNone/>
-              <a:defRPr sz="787"/>
+            <a:lvl5pPr marL="974750" indent="0">
+              <a:buNone/>
+              <a:defRPr sz="533"/>
             </a:lvl5pPr>
-            <a:lvl6pPr marL="1799768" indent="0">
-              <a:buNone/>
-              <a:defRPr sz="787"/>
+            <a:lvl6pPr marL="1218438" indent="0">
+              <a:buNone/>
+              <a:defRPr sz="533"/>
             </a:lvl6pPr>
-            <a:lvl7pPr marL="2159721" indent="0">
-              <a:buNone/>
-              <a:defRPr sz="787"/>
+            <a:lvl7pPr marL="1462126" indent="0">
+              <a:buNone/>
+              <a:defRPr sz="533"/>
             </a:lvl7pPr>
-            <a:lvl8pPr marL="2519675" indent="0">
-              <a:buNone/>
-              <a:defRPr sz="787"/>
+            <a:lvl8pPr marL="1705813" indent="0">
+              <a:buNone/>
+              <a:defRPr sz="533"/>
             </a:lvl8pPr>
-            <a:lvl9pPr marL="2879628" indent="0">
-              <a:buNone/>
-              <a:defRPr sz="787"/>
+            <a:lvl9pPr marL="1949501" indent="0">
+              <a:buNone/>
+              <a:defRPr sz="533"/>
             </a:lvl9pPr>
           </a:lstStyle>
           <a:p>
@@ -2092,7 +2099,7 @@
           <a:p>
             <a:fld id="{82ABFB1E-6458-49F0-BDF0-5B5CA42B67B7}" type="datetimeFigureOut">
               <a:rPr lang="en-CA" smtClean="0"/>
-              <a:t>2022-08-21</a:t>
+              <a:t>2022-08-26</a:t>
             </a:fld>
             <a:endParaRPr lang="en-CA"/>
           </a:p>
@@ -2143,7 +2150,7 @@
     </p:spTree>
     <p:extLst>
       <p:ext uri="{BB962C8B-B14F-4D97-AF65-F5344CB8AC3E}">
-        <p14:creationId xmlns:p14="http://schemas.microsoft.com/office/powerpoint/2010/main" val="617099443"/>
+        <p14:creationId xmlns:p14="http://schemas.microsoft.com/office/powerpoint/2010/main" val="4015978426"/>
       </p:ext>
     </p:extLst>
   </p:cSld>
@@ -2182,15 +2189,15 @@
         </p:nvSpPr>
         <p:spPr>
           <a:xfrm>
-            <a:off x="495890" y="372004"/>
-            <a:ext cx="2321966" cy="1302015"/>
+            <a:off x="335696" y="324908"/>
+            <a:ext cx="1571871" cy="1137179"/>
           </a:xfrm>
         </p:spPr>
         <p:txBody>
           <a:bodyPr anchor="b"/>
           <a:lstStyle>
             <a:lvl1pPr>
-              <a:defRPr sz="2519"/>
+              <a:defRPr sz="1706"/>
             </a:lvl1pPr>
           </a:lstStyle>
           <a:p>
@@ -2214,8 +2221,8 @@
         </p:nvSpPr>
         <p:spPr>
           <a:xfrm>
-            <a:off x="3060646" y="803427"/>
-            <a:ext cx="3644652" cy="3965461"/>
+            <a:off x="2071925" y="701713"/>
+            <a:ext cx="2467273" cy="3463433"/>
           </a:xfrm>
         </p:spPr>
         <p:txBody>
@@ -2223,39 +2230,39 @@
           <a:lstStyle>
             <a:lvl1pPr marL="0" indent="0">
               <a:buNone/>
-              <a:defRPr sz="2519"/>
+              <a:defRPr sz="1706"/>
             </a:lvl1pPr>
-            <a:lvl2pPr marL="359954" indent="0">
-              <a:buNone/>
-              <a:defRPr sz="2204"/>
+            <a:lvl2pPr marL="243688" indent="0">
+              <a:buNone/>
+              <a:defRPr sz="1492"/>
             </a:lvl2pPr>
-            <a:lvl3pPr marL="719907" indent="0">
-              <a:buNone/>
-              <a:defRPr sz="1890"/>
+            <a:lvl3pPr marL="487375" indent="0">
+              <a:buNone/>
+              <a:defRPr sz="1279"/>
             </a:lvl3pPr>
-            <a:lvl4pPr marL="1079861" indent="0">
-              <a:buNone/>
-              <a:defRPr sz="1575"/>
+            <a:lvl4pPr marL="731063" indent="0">
+              <a:buNone/>
+              <a:defRPr sz="1066"/>
             </a:lvl4pPr>
-            <a:lvl5pPr marL="1439814" indent="0">
-              <a:buNone/>
-              <a:defRPr sz="1575"/>
+            <a:lvl5pPr marL="974750" indent="0">
+              <a:buNone/>
+              <a:defRPr sz="1066"/>
             </a:lvl5pPr>
-            <a:lvl6pPr marL="1799768" indent="0">
-              <a:buNone/>
-              <a:defRPr sz="1575"/>
+            <a:lvl6pPr marL="1218438" indent="0">
+              <a:buNone/>
+              <a:defRPr sz="1066"/>
             </a:lvl6pPr>
-            <a:lvl7pPr marL="2159721" indent="0">
-              <a:buNone/>
-              <a:defRPr sz="1575"/>
+            <a:lvl7pPr marL="1462126" indent="0">
+              <a:buNone/>
+              <a:defRPr sz="1066"/>
             </a:lvl7pPr>
-            <a:lvl8pPr marL="2519675" indent="0">
-              <a:buNone/>
-              <a:defRPr sz="1575"/>
+            <a:lvl8pPr marL="1705813" indent="0">
+              <a:buNone/>
+              <a:defRPr sz="1066"/>
             </a:lvl8pPr>
-            <a:lvl9pPr marL="2879628" indent="0">
-              <a:buNone/>
-              <a:defRPr sz="1575"/>
+            <a:lvl9pPr marL="1949501" indent="0">
+              <a:buNone/>
+              <a:defRPr sz="1066"/>
             </a:lvl9pPr>
           </a:lstStyle>
           <a:p>
@@ -2279,8 +2286,8 @@
         </p:nvSpPr>
         <p:spPr>
           <a:xfrm>
-            <a:off x="495890" y="1674019"/>
-            <a:ext cx="2321966" cy="3101327"/>
+            <a:off x="335696" y="1462087"/>
+            <a:ext cx="1571871" cy="2708698"/>
           </a:xfrm>
         </p:spPr>
         <p:txBody>
@@ -2288,39 +2295,39 @@
           <a:lstStyle>
             <a:lvl1pPr marL="0" indent="0">
               <a:buNone/>
-              <a:defRPr sz="1260"/>
+              <a:defRPr sz="853"/>
             </a:lvl1pPr>
-            <a:lvl2pPr marL="359954" indent="0">
-              <a:buNone/>
-              <a:defRPr sz="1102"/>
+            <a:lvl2pPr marL="243688" indent="0">
+              <a:buNone/>
+              <a:defRPr sz="746"/>
             </a:lvl2pPr>
-            <a:lvl3pPr marL="719907" indent="0">
-              <a:buNone/>
-              <a:defRPr sz="945"/>
+            <a:lvl3pPr marL="487375" indent="0">
+              <a:buNone/>
+              <a:defRPr sz="640"/>
             </a:lvl3pPr>
-            <a:lvl4pPr marL="1079861" indent="0">
-              <a:buNone/>
-              <a:defRPr sz="787"/>
+            <a:lvl4pPr marL="731063" indent="0">
+              <a:buNone/>
+              <a:defRPr sz="533"/>
             </a:lvl4pPr>
-            <a:lvl5pPr marL="1439814" indent="0">
-              <a:buNone/>
-              <a:defRPr sz="787"/>
+            <a:lvl5pPr marL="974750" indent="0">
+              <a:buNone/>
+              <a:defRPr sz="533"/>
             </a:lvl5pPr>
-            <a:lvl6pPr marL="1799768" indent="0">
-              <a:buNone/>
-              <a:defRPr sz="787"/>
+            <a:lvl6pPr marL="1218438" indent="0">
+              <a:buNone/>
+              <a:defRPr sz="533"/>
             </a:lvl6pPr>
-            <a:lvl7pPr marL="2159721" indent="0">
-              <a:buNone/>
-              <a:defRPr sz="787"/>
+            <a:lvl7pPr marL="1462126" indent="0">
+              <a:buNone/>
+              <a:defRPr sz="533"/>
             </a:lvl7pPr>
-            <a:lvl8pPr marL="2519675" indent="0">
-              <a:buNone/>
-              <a:defRPr sz="787"/>
+            <a:lvl8pPr marL="1705813" indent="0">
+              <a:buNone/>
+              <a:defRPr sz="533"/>
             </a:lvl8pPr>
-            <a:lvl9pPr marL="2879628" indent="0">
-              <a:buNone/>
-              <a:defRPr sz="787"/>
+            <a:lvl9pPr marL="1949501" indent="0">
+              <a:buNone/>
+              <a:defRPr sz="533"/>
             </a:lvl9pPr>
           </a:lstStyle>
           <a:p>
@@ -2349,7 +2356,7 @@
           <a:p>
             <a:fld id="{82ABFB1E-6458-49F0-BDF0-5B5CA42B67B7}" type="datetimeFigureOut">
               <a:rPr lang="en-CA" smtClean="0"/>
-              <a:t>2022-08-21</a:t>
+              <a:t>2022-08-26</a:t>
             </a:fld>
             <a:endParaRPr lang="en-CA"/>
           </a:p>
@@ -2400,7 +2407,7 @@
     </p:spTree>
     <p:extLst>
       <p:ext uri="{BB962C8B-B14F-4D97-AF65-F5344CB8AC3E}">
-        <p14:creationId xmlns:p14="http://schemas.microsoft.com/office/powerpoint/2010/main" val="3742613923"/>
+        <p14:creationId xmlns:p14="http://schemas.microsoft.com/office/powerpoint/2010/main" val="3262181095"/>
       </p:ext>
     </p:extLst>
   </p:cSld>
@@ -2444,8 +2451,8 @@
         </p:nvSpPr>
         <p:spPr>
           <a:xfrm>
-            <a:off x="494953" y="297088"/>
-            <a:ext cx="6209407" cy="1078554"/>
+            <a:off x="335062" y="259476"/>
+            <a:ext cx="4203502" cy="942009"/>
           </a:xfrm>
           <a:prstGeom prst="rect">
             <a:avLst/>
@@ -2477,8 +2484,8 @@
         </p:nvSpPr>
         <p:spPr>
           <a:xfrm>
-            <a:off x="494953" y="1485433"/>
-            <a:ext cx="6209407" cy="3540499"/>
+            <a:off x="335062" y="1297377"/>
+            <a:ext cx="4203502" cy="3092270"/>
           </a:xfrm>
           <a:prstGeom prst="rect">
             <a:avLst/>
@@ -2539,8 +2546,8 @@
         </p:nvSpPr>
         <p:spPr>
           <a:xfrm>
-            <a:off x="494953" y="5171893"/>
-            <a:ext cx="1619845" cy="297087"/>
+            <a:off x="335062" y="4517130"/>
+            <a:ext cx="1096566" cy="259475"/>
           </a:xfrm>
           <a:prstGeom prst="rect">
             <a:avLst/>
@@ -2550,7 +2557,7 @@
           <a:bodyPr vert="horz" lIns="91440" tIns="45720" rIns="91440" bIns="45720" rtlCol="0" anchor="ctr"/>
           <a:lstStyle>
             <a:lvl1pPr algn="l">
-              <a:defRPr sz="945">
+              <a:defRPr sz="640">
                 <a:solidFill>
                   <a:schemeClr val="tx1">
                     <a:tint val="75000"/>
@@ -2562,7 +2569,7 @@
           <a:p>
             <a:fld id="{82ABFB1E-6458-49F0-BDF0-5B5CA42B67B7}" type="datetimeFigureOut">
               <a:rPr lang="en-CA" smtClean="0"/>
-              <a:t>2022-08-21</a:t>
+              <a:t>2022-08-26</a:t>
             </a:fld>
             <a:endParaRPr lang="en-CA"/>
           </a:p>
@@ -2580,8 +2587,8 @@
         </p:nvSpPr>
         <p:spPr>
           <a:xfrm>
-            <a:off x="2384773" y="5171893"/>
-            <a:ext cx="2429768" cy="297087"/>
+            <a:off x="1614389" y="4517130"/>
+            <a:ext cx="1644848" cy="259475"/>
           </a:xfrm>
           <a:prstGeom prst="rect">
             <a:avLst/>
@@ -2591,7 +2598,7 @@
           <a:bodyPr vert="horz" lIns="91440" tIns="45720" rIns="91440" bIns="45720" rtlCol="0" anchor="ctr"/>
           <a:lstStyle>
             <a:lvl1pPr algn="ctr">
-              <a:defRPr sz="945">
+              <a:defRPr sz="640">
                 <a:solidFill>
                   <a:schemeClr val="tx1">
                     <a:tint val="75000"/>
@@ -2617,8 +2624,8 @@
         </p:nvSpPr>
         <p:spPr>
           <a:xfrm>
-            <a:off x="5084515" y="5171893"/>
-            <a:ext cx="1619845" cy="297087"/>
+            <a:off x="3441997" y="4517130"/>
+            <a:ext cx="1096566" cy="259475"/>
           </a:xfrm>
           <a:prstGeom prst="rect">
             <a:avLst/>
@@ -2628,7 +2635,7 @@
           <a:bodyPr vert="horz" lIns="91440" tIns="45720" rIns="91440" bIns="45720" rtlCol="0" anchor="ctr"/>
           <a:lstStyle>
             <a:lvl1pPr algn="r">
-              <a:defRPr sz="945">
+              <a:defRPr sz="640">
                 <a:solidFill>
                   <a:schemeClr val="tx1">
                     <a:tint val="75000"/>
@@ -2649,27 +2656,27 @@
     </p:spTree>
     <p:extLst>
       <p:ext uri="{BB962C8B-B14F-4D97-AF65-F5344CB8AC3E}">
-        <p14:creationId xmlns:p14="http://schemas.microsoft.com/office/powerpoint/2010/main" val="1510829005"/>
+        <p14:creationId xmlns:p14="http://schemas.microsoft.com/office/powerpoint/2010/main" val="2575165124"/>
       </p:ext>
     </p:extLst>
   </p:cSld>
   <p:clrMap bg1="lt1" tx1="dk1" bg2="lt2" tx2="dk2" accent1="accent1" accent2="accent2" accent3="accent3" accent4="accent4" accent5="accent5" accent6="accent6" hlink="hlink" folHlink="folHlink"/>
   <p:sldLayoutIdLst>
-    <p:sldLayoutId id="2147483709" r:id="rId1"/>
-    <p:sldLayoutId id="2147483710" r:id="rId2"/>
-    <p:sldLayoutId id="2147483711" r:id="rId3"/>
-    <p:sldLayoutId id="2147483712" r:id="rId4"/>
-    <p:sldLayoutId id="2147483713" r:id="rId5"/>
-    <p:sldLayoutId id="2147483714" r:id="rId6"/>
-    <p:sldLayoutId id="2147483715" r:id="rId7"/>
-    <p:sldLayoutId id="2147483716" r:id="rId8"/>
-    <p:sldLayoutId id="2147483717" r:id="rId9"/>
-    <p:sldLayoutId id="2147483718" r:id="rId10"/>
-    <p:sldLayoutId id="2147483719" r:id="rId11"/>
+    <p:sldLayoutId id="2147483721" r:id="rId1"/>
+    <p:sldLayoutId id="2147483722" r:id="rId2"/>
+    <p:sldLayoutId id="2147483723" r:id="rId3"/>
+    <p:sldLayoutId id="2147483724" r:id="rId4"/>
+    <p:sldLayoutId id="2147483725" r:id="rId5"/>
+    <p:sldLayoutId id="2147483726" r:id="rId6"/>
+    <p:sldLayoutId id="2147483727" r:id="rId7"/>
+    <p:sldLayoutId id="2147483728" r:id="rId8"/>
+    <p:sldLayoutId id="2147483729" r:id="rId9"/>
+    <p:sldLayoutId id="2147483730" r:id="rId10"/>
+    <p:sldLayoutId id="2147483731" r:id="rId11"/>
   </p:sldLayoutIdLst>
   <p:txStyles>
     <p:titleStyle>
-      <a:lvl1pPr algn="l" defTabSz="719907" rtl="0" eaLnBrk="1" latinLnBrk="0" hangingPunct="1">
+      <a:lvl1pPr algn="l" defTabSz="487375" rtl="0" eaLnBrk="1" latinLnBrk="0" hangingPunct="1">
         <a:lnSpc>
           <a:spcPct val="90000"/>
         </a:lnSpc>
@@ -2677,7 +2684,7 @@
           <a:spcPct val="0"/>
         </a:spcBef>
         <a:buNone/>
-        <a:defRPr sz="3464" kern="1200">
+        <a:defRPr sz="2345" kern="1200">
           <a:solidFill>
             <a:schemeClr val="tx1"/>
           </a:solidFill>
@@ -2688,16 +2695,16 @@
       </a:lvl1pPr>
     </p:titleStyle>
     <p:bodyStyle>
-      <a:lvl1pPr marL="179977" indent="-179977" algn="l" defTabSz="719907" rtl="0" eaLnBrk="1" latinLnBrk="0" hangingPunct="1">
+      <a:lvl1pPr marL="121844" indent="-121844" algn="l" defTabSz="487375" rtl="0" eaLnBrk="1" latinLnBrk="0" hangingPunct="1">
         <a:lnSpc>
           <a:spcPct val="90000"/>
         </a:lnSpc>
         <a:spcBef>
-          <a:spcPts val="787"/>
+          <a:spcPts val="533"/>
         </a:spcBef>
         <a:buFont typeface="Arial" panose="020B0604020202020204" pitchFamily="34" charset="0"/>
         <a:buChar char="•"/>
-        <a:defRPr sz="2204" kern="1200">
+        <a:defRPr sz="1492" kern="1200">
           <a:solidFill>
             <a:schemeClr val="tx1"/>
           </a:solidFill>
@@ -2706,16 +2713,16 @@
           <a:cs typeface="+mn-cs"/>
         </a:defRPr>
       </a:lvl1pPr>
-      <a:lvl2pPr marL="539930" indent="-179977" algn="l" defTabSz="719907" rtl="0" eaLnBrk="1" latinLnBrk="0" hangingPunct="1">
+      <a:lvl2pPr marL="365531" indent="-121844" algn="l" defTabSz="487375" rtl="0" eaLnBrk="1" latinLnBrk="0" hangingPunct="1">
         <a:lnSpc>
           <a:spcPct val="90000"/>
         </a:lnSpc>
         <a:spcBef>
-          <a:spcPts val="394"/>
+          <a:spcPts val="267"/>
         </a:spcBef>
         <a:buFont typeface="Arial" panose="020B0604020202020204" pitchFamily="34" charset="0"/>
         <a:buChar char="•"/>
-        <a:defRPr sz="1890" kern="1200">
+        <a:defRPr sz="1279" kern="1200">
           <a:solidFill>
             <a:schemeClr val="tx1"/>
           </a:solidFill>
@@ -2724,16 +2731,16 @@
           <a:cs typeface="+mn-cs"/>
         </a:defRPr>
       </a:lvl2pPr>
-      <a:lvl3pPr marL="899884" indent="-179977" algn="l" defTabSz="719907" rtl="0" eaLnBrk="1" latinLnBrk="0" hangingPunct="1">
+      <a:lvl3pPr marL="609219" indent="-121844" algn="l" defTabSz="487375" rtl="0" eaLnBrk="1" latinLnBrk="0" hangingPunct="1">
         <a:lnSpc>
           <a:spcPct val="90000"/>
         </a:lnSpc>
         <a:spcBef>
-          <a:spcPts val="394"/>
+          <a:spcPts val="267"/>
         </a:spcBef>
         <a:buFont typeface="Arial" panose="020B0604020202020204" pitchFamily="34" charset="0"/>
         <a:buChar char="•"/>
-        <a:defRPr sz="1575" kern="1200">
+        <a:defRPr sz="1066" kern="1200">
           <a:solidFill>
             <a:schemeClr val="tx1"/>
           </a:solidFill>
@@ -2742,16 +2749,16 @@
           <a:cs typeface="+mn-cs"/>
         </a:defRPr>
       </a:lvl3pPr>
-      <a:lvl4pPr marL="1259837" indent="-179977" algn="l" defTabSz="719907" rtl="0" eaLnBrk="1" latinLnBrk="0" hangingPunct="1">
+      <a:lvl4pPr marL="852907" indent="-121844" algn="l" defTabSz="487375" rtl="0" eaLnBrk="1" latinLnBrk="0" hangingPunct="1">
         <a:lnSpc>
           <a:spcPct val="90000"/>
         </a:lnSpc>
         <a:spcBef>
-          <a:spcPts val="394"/>
+          <a:spcPts val="267"/>
         </a:spcBef>
         <a:buFont typeface="Arial" panose="020B0604020202020204" pitchFamily="34" charset="0"/>
         <a:buChar char="•"/>
-        <a:defRPr sz="1417" kern="1200">
+        <a:defRPr sz="959" kern="1200">
           <a:solidFill>
             <a:schemeClr val="tx1"/>
           </a:solidFill>
@@ -2760,16 +2767,16 @@
           <a:cs typeface="+mn-cs"/>
         </a:defRPr>
       </a:lvl4pPr>
-      <a:lvl5pPr marL="1619791" indent="-179977" algn="l" defTabSz="719907" rtl="0" eaLnBrk="1" latinLnBrk="0" hangingPunct="1">
+      <a:lvl5pPr marL="1096594" indent="-121844" algn="l" defTabSz="487375" rtl="0" eaLnBrk="1" latinLnBrk="0" hangingPunct="1">
         <a:lnSpc>
           <a:spcPct val="90000"/>
         </a:lnSpc>
         <a:spcBef>
-          <a:spcPts val="394"/>
+          <a:spcPts val="267"/>
         </a:spcBef>
         <a:buFont typeface="Arial" panose="020B0604020202020204" pitchFamily="34" charset="0"/>
         <a:buChar char="•"/>
-        <a:defRPr sz="1417" kern="1200">
+        <a:defRPr sz="959" kern="1200">
           <a:solidFill>
             <a:schemeClr val="tx1"/>
           </a:solidFill>
@@ -2778,16 +2785,16 @@
           <a:cs typeface="+mn-cs"/>
         </a:defRPr>
       </a:lvl5pPr>
-      <a:lvl6pPr marL="1979745" indent="-179977" algn="l" defTabSz="719907" rtl="0" eaLnBrk="1" latinLnBrk="0" hangingPunct="1">
+      <a:lvl6pPr marL="1340282" indent="-121844" algn="l" defTabSz="487375" rtl="0" eaLnBrk="1" latinLnBrk="0" hangingPunct="1">
         <a:lnSpc>
           <a:spcPct val="90000"/>
         </a:lnSpc>
         <a:spcBef>
-          <a:spcPts val="394"/>
+          <a:spcPts val="267"/>
         </a:spcBef>
         <a:buFont typeface="Arial" panose="020B0604020202020204" pitchFamily="34" charset="0"/>
         <a:buChar char="•"/>
-        <a:defRPr sz="1417" kern="1200">
+        <a:defRPr sz="959" kern="1200">
           <a:solidFill>
             <a:schemeClr val="tx1"/>
           </a:solidFill>
@@ -2796,16 +2803,16 @@
           <a:cs typeface="+mn-cs"/>
         </a:defRPr>
       </a:lvl6pPr>
-      <a:lvl7pPr marL="2339698" indent="-179977" algn="l" defTabSz="719907" rtl="0" eaLnBrk="1" latinLnBrk="0" hangingPunct="1">
+      <a:lvl7pPr marL="1583969" indent="-121844" algn="l" defTabSz="487375" rtl="0" eaLnBrk="1" latinLnBrk="0" hangingPunct="1">
         <a:lnSpc>
           <a:spcPct val="90000"/>
         </a:lnSpc>
         <a:spcBef>
-          <a:spcPts val="394"/>
+          <a:spcPts val="267"/>
         </a:spcBef>
         <a:buFont typeface="Arial" panose="020B0604020202020204" pitchFamily="34" charset="0"/>
         <a:buChar char="•"/>
-        <a:defRPr sz="1417" kern="1200">
+        <a:defRPr sz="959" kern="1200">
           <a:solidFill>
             <a:schemeClr val="tx1"/>
           </a:solidFill>
@@ -2814,16 +2821,16 @@
           <a:cs typeface="+mn-cs"/>
         </a:defRPr>
       </a:lvl7pPr>
-      <a:lvl8pPr marL="2699652" indent="-179977" algn="l" defTabSz="719907" rtl="0" eaLnBrk="1" latinLnBrk="0" hangingPunct="1">
+      <a:lvl8pPr marL="1827657" indent="-121844" algn="l" defTabSz="487375" rtl="0" eaLnBrk="1" latinLnBrk="0" hangingPunct="1">
         <a:lnSpc>
           <a:spcPct val="90000"/>
         </a:lnSpc>
         <a:spcBef>
-          <a:spcPts val="394"/>
+          <a:spcPts val="267"/>
         </a:spcBef>
         <a:buFont typeface="Arial" panose="020B0604020202020204" pitchFamily="34" charset="0"/>
         <a:buChar char="•"/>
-        <a:defRPr sz="1417" kern="1200">
+        <a:defRPr sz="959" kern="1200">
           <a:solidFill>
             <a:schemeClr val="tx1"/>
           </a:solidFill>
@@ -2832,16 +2839,16 @@
           <a:cs typeface="+mn-cs"/>
         </a:defRPr>
       </a:lvl8pPr>
-      <a:lvl9pPr marL="3059605" indent="-179977" algn="l" defTabSz="719907" rtl="0" eaLnBrk="1" latinLnBrk="0" hangingPunct="1">
+      <a:lvl9pPr marL="2071345" indent="-121844" algn="l" defTabSz="487375" rtl="0" eaLnBrk="1" latinLnBrk="0" hangingPunct="1">
         <a:lnSpc>
           <a:spcPct val="90000"/>
         </a:lnSpc>
         <a:spcBef>
-          <a:spcPts val="394"/>
+          <a:spcPts val="267"/>
         </a:spcBef>
         <a:buFont typeface="Arial" panose="020B0604020202020204" pitchFamily="34" charset="0"/>
         <a:buChar char="•"/>
-        <a:defRPr sz="1417" kern="1200">
+        <a:defRPr sz="959" kern="1200">
           <a:solidFill>
             <a:schemeClr val="tx1"/>
           </a:solidFill>
@@ -2855,8 +2862,8 @@
       <a:defPPr>
         <a:defRPr lang="en-US"/>
       </a:defPPr>
-      <a:lvl1pPr marL="0" algn="l" defTabSz="719907" rtl="0" eaLnBrk="1" latinLnBrk="0" hangingPunct="1">
-        <a:defRPr sz="1417" kern="1200">
+      <a:lvl1pPr marL="0" algn="l" defTabSz="487375" rtl="0" eaLnBrk="1" latinLnBrk="0" hangingPunct="1">
+        <a:defRPr sz="959" kern="1200">
           <a:solidFill>
             <a:schemeClr val="tx1"/>
           </a:solidFill>
@@ -2865,8 +2872,8 @@
           <a:cs typeface="+mn-cs"/>
         </a:defRPr>
       </a:lvl1pPr>
-      <a:lvl2pPr marL="359954" algn="l" defTabSz="719907" rtl="0" eaLnBrk="1" latinLnBrk="0" hangingPunct="1">
-        <a:defRPr sz="1417" kern="1200">
+      <a:lvl2pPr marL="243688" algn="l" defTabSz="487375" rtl="0" eaLnBrk="1" latinLnBrk="0" hangingPunct="1">
+        <a:defRPr sz="959" kern="1200">
           <a:solidFill>
             <a:schemeClr val="tx1"/>
           </a:solidFill>
@@ -2875,8 +2882,8 @@
           <a:cs typeface="+mn-cs"/>
         </a:defRPr>
       </a:lvl2pPr>
-      <a:lvl3pPr marL="719907" algn="l" defTabSz="719907" rtl="0" eaLnBrk="1" latinLnBrk="0" hangingPunct="1">
-        <a:defRPr sz="1417" kern="1200">
+      <a:lvl3pPr marL="487375" algn="l" defTabSz="487375" rtl="0" eaLnBrk="1" latinLnBrk="0" hangingPunct="1">
+        <a:defRPr sz="959" kern="1200">
           <a:solidFill>
             <a:schemeClr val="tx1"/>
           </a:solidFill>
@@ -2885,8 +2892,8 @@
           <a:cs typeface="+mn-cs"/>
         </a:defRPr>
       </a:lvl3pPr>
-      <a:lvl4pPr marL="1079861" algn="l" defTabSz="719907" rtl="0" eaLnBrk="1" latinLnBrk="0" hangingPunct="1">
-        <a:defRPr sz="1417" kern="1200">
+      <a:lvl4pPr marL="731063" algn="l" defTabSz="487375" rtl="0" eaLnBrk="1" latinLnBrk="0" hangingPunct="1">
+        <a:defRPr sz="959" kern="1200">
           <a:solidFill>
             <a:schemeClr val="tx1"/>
           </a:solidFill>
@@ -2895,8 +2902,8 @@
           <a:cs typeface="+mn-cs"/>
         </a:defRPr>
       </a:lvl4pPr>
-      <a:lvl5pPr marL="1439814" algn="l" defTabSz="719907" rtl="0" eaLnBrk="1" latinLnBrk="0" hangingPunct="1">
-        <a:defRPr sz="1417" kern="1200">
+      <a:lvl5pPr marL="974750" algn="l" defTabSz="487375" rtl="0" eaLnBrk="1" latinLnBrk="0" hangingPunct="1">
+        <a:defRPr sz="959" kern="1200">
           <a:solidFill>
             <a:schemeClr val="tx1"/>
           </a:solidFill>
@@ -2905,8 +2912,8 @@
           <a:cs typeface="+mn-cs"/>
         </a:defRPr>
       </a:lvl5pPr>
-      <a:lvl6pPr marL="1799768" algn="l" defTabSz="719907" rtl="0" eaLnBrk="1" latinLnBrk="0" hangingPunct="1">
-        <a:defRPr sz="1417" kern="1200">
+      <a:lvl6pPr marL="1218438" algn="l" defTabSz="487375" rtl="0" eaLnBrk="1" latinLnBrk="0" hangingPunct="1">
+        <a:defRPr sz="959" kern="1200">
           <a:solidFill>
             <a:schemeClr val="tx1"/>
           </a:solidFill>
@@ -2915,8 +2922,8 @@
           <a:cs typeface="+mn-cs"/>
         </a:defRPr>
       </a:lvl6pPr>
-      <a:lvl7pPr marL="2159721" algn="l" defTabSz="719907" rtl="0" eaLnBrk="1" latinLnBrk="0" hangingPunct="1">
-        <a:defRPr sz="1417" kern="1200">
+      <a:lvl7pPr marL="1462126" algn="l" defTabSz="487375" rtl="0" eaLnBrk="1" latinLnBrk="0" hangingPunct="1">
+        <a:defRPr sz="959" kern="1200">
           <a:solidFill>
             <a:schemeClr val="tx1"/>
           </a:solidFill>
@@ -2925,8 +2932,8 @@
           <a:cs typeface="+mn-cs"/>
         </a:defRPr>
       </a:lvl7pPr>
-      <a:lvl8pPr marL="2519675" algn="l" defTabSz="719907" rtl="0" eaLnBrk="1" latinLnBrk="0" hangingPunct="1">
-        <a:defRPr sz="1417" kern="1200">
+      <a:lvl8pPr marL="1705813" algn="l" defTabSz="487375" rtl="0" eaLnBrk="1" latinLnBrk="0" hangingPunct="1">
+        <a:defRPr sz="959" kern="1200">
           <a:solidFill>
             <a:schemeClr val="tx1"/>
           </a:solidFill>
@@ -2935,8 +2942,8 @@
           <a:cs typeface="+mn-cs"/>
         </a:defRPr>
       </a:lvl8pPr>
-      <a:lvl9pPr marL="2879628" algn="l" defTabSz="719907" rtl="0" eaLnBrk="1" latinLnBrk="0" hangingPunct="1">
-        <a:defRPr sz="1417" kern="1200">
+      <a:lvl9pPr marL="1949501" algn="l" defTabSz="487375" rtl="0" eaLnBrk="1" latinLnBrk="0" hangingPunct="1">
+        <a:defRPr sz="959" kern="1200">
           <a:solidFill>
             <a:schemeClr val="tx1"/>
           </a:solidFill>
@@ -2983,13 +2990,13 @@
         </p:nvPicPr>
         <p:blipFill rotWithShape="1">
           <a:blip r:embed="rId2"/>
-          <a:srcRect l="26208" t="16812" r="26208" b="23865"/>
+          <a:srcRect l="30280" t="16575" r="30815" b="20827"/>
           <a:stretch/>
         </p:blipFill>
         <p:spPr>
           <a:xfrm>
-            <a:off x="18966" y="0"/>
-            <a:ext cx="7161380" cy="5580063"/>
+            <a:off x="-1" y="0"/>
+            <a:ext cx="4873625" cy="4901056"/>
           </a:xfrm>
           <a:prstGeom prst="rect">
             <a:avLst/>
@@ -3028,10 +3035,10 @@
       </p:grpSpPr>
       <p:pic>
         <p:nvPicPr>
-          <p:cNvPr id="5" name="Picture 4">
+          <p:cNvPr id="3" name="Picture 2">
             <a:extLst>
               <a:ext uri="{FF2B5EF4-FFF2-40B4-BE49-F238E27FC236}">
-                <a16:creationId xmlns:a16="http://schemas.microsoft.com/office/drawing/2014/main" id="{8CBA9599-43A6-53E6-6FC2-A00040D01E57}"/>
+                <a16:creationId xmlns:a16="http://schemas.microsoft.com/office/drawing/2014/main" id="{8537FC69-C9EE-1F14-D2CA-0C668C106931}"/>
               </a:ext>
             </a:extLst>
           </p:cNvPr>
@@ -3042,13 +3049,13 @@
         </p:nvPicPr>
         <p:blipFill rotWithShape="1">
           <a:blip r:embed="rId2"/>
-          <a:srcRect l="26208" t="16812" r="26208" b="23865"/>
+          <a:srcRect l="22870" t="14341" r="23834" b="7719"/>
           <a:stretch/>
         </p:blipFill>
         <p:spPr>
           <a:xfrm>
-            <a:off x="18966" y="0"/>
-            <a:ext cx="7161380" cy="5580063"/>
+            <a:off x="-1" y="0"/>
+            <a:ext cx="4855235" cy="4437776"/>
           </a:xfrm>
           <a:prstGeom prst="rect">
             <a:avLst/>
@@ -3059,6 +3066,124 @@
     <p:extLst>
       <p:ext uri="{BB962C8B-B14F-4D97-AF65-F5344CB8AC3E}">
         <p14:creationId xmlns:p14="http://schemas.microsoft.com/office/powerpoint/2010/main" val="2073516084"/>
+      </p:ext>
+    </p:extLst>
+  </p:cSld>
+  <p:clrMapOvr>
+    <a:masterClrMapping/>
+  </p:clrMapOvr>
+</p:sld>
+</file>
+
+<file path=ppt/slides/slide3.xml><?xml version="1.0" encoding="utf-8"?>
+<p:sld xmlns:a="http://schemas.openxmlformats.org/drawingml/2006/main" xmlns:r="http://schemas.openxmlformats.org/officeDocument/2006/relationships" xmlns:p="http://schemas.openxmlformats.org/presentationml/2006/main">
+  <p:cSld>
+    <p:spTree>
+      <p:nvGrpSpPr>
+        <p:cNvPr id="1" name=""/>
+        <p:cNvGrpSpPr/>
+        <p:nvPr/>
+      </p:nvGrpSpPr>
+      <p:grpSpPr>
+        <a:xfrm>
+          <a:off x="0" y="0"/>
+          <a:ext cx="0" cy="0"/>
+          <a:chOff x="0" y="0"/>
+          <a:chExt cx="0" cy="0"/>
+        </a:xfrm>
+      </p:grpSpPr>
+      <p:pic>
+        <p:nvPicPr>
+          <p:cNvPr id="4" name="Picture 3">
+            <a:extLst>
+              <a:ext uri="{FF2B5EF4-FFF2-40B4-BE49-F238E27FC236}">
+                <a16:creationId xmlns:a16="http://schemas.microsoft.com/office/drawing/2014/main" id="{385BD73E-12D4-3AE5-FF4C-4AC13B0932FE}"/>
+              </a:ext>
+            </a:extLst>
+          </p:cNvPr>
+          <p:cNvPicPr>
+            <a:picLocks noChangeAspect="1"/>
+          </p:cNvPicPr>
+          <p:nvPr/>
+        </p:nvPicPr>
+        <p:blipFill rotWithShape="1">
+          <a:blip r:embed="rId2"/>
+          <a:srcRect l="22377" t="14066" r="24091" b="11923"/>
+          <a:stretch/>
+        </p:blipFill>
+        <p:spPr>
+          <a:xfrm>
+            <a:off x="-1" y="0"/>
+            <a:ext cx="4873625" cy="4211273"/>
+          </a:xfrm>
+          <a:prstGeom prst="rect">
+            <a:avLst/>
+          </a:prstGeom>
+        </p:spPr>
+      </p:pic>
+    </p:spTree>
+    <p:extLst>
+      <p:ext uri="{BB962C8B-B14F-4D97-AF65-F5344CB8AC3E}">
+        <p14:creationId xmlns:p14="http://schemas.microsoft.com/office/powerpoint/2010/main" val="4069006677"/>
+      </p:ext>
+    </p:extLst>
+  </p:cSld>
+  <p:clrMapOvr>
+    <a:masterClrMapping/>
+  </p:clrMapOvr>
+</p:sld>
+</file>
+
+<file path=ppt/slides/slide4.xml><?xml version="1.0" encoding="utf-8"?>
+<p:sld xmlns:a="http://schemas.openxmlformats.org/drawingml/2006/main" xmlns:r="http://schemas.openxmlformats.org/officeDocument/2006/relationships" xmlns:p="http://schemas.openxmlformats.org/presentationml/2006/main">
+  <p:cSld>
+    <p:spTree>
+      <p:nvGrpSpPr>
+        <p:cNvPr id="1" name=""/>
+        <p:cNvGrpSpPr/>
+        <p:nvPr/>
+      </p:nvGrpSpPr>
+      <p:grpSpPr>
+        <a:xfrm>
+          <a:off x="0" y="0"/>
+          <a:ext cx="0" cy="0"/>
+          <a:chOff x="0" y="0"/>
+          <a:chExt cx="0" cy="0"/>
+        </a:xfrm>
+      </p:grpSpPr>
+      <p:pic>
+        <p:nvPicPr>
+          <p:cNvPr id="3" name="Picture 2">
+            <a:extLst>
+              <a:ext uri="{FF2B5EF4-FFF2-40B4-BE49-F238E27FC236}">
+                <a16:creationId xmlns:a16="http://schemas.microsoft.com/office/drawing/2014/main" id="{C33D0C0A-759B-EF63-3E1E-4886548DFB20}"/>
+              </a:ext>
+            </a:extLst>
+          </p:cNvPr>
+          <p:cNvPicPr>
+            <a:picLocks noChangeAspect="1"/>
+          </p:cNvPicPr>
+          <p:nvPr/>
+        </p:nvPicPr>
+        <p:blipFill rotWithShape="1">
+          <a:blip r:embed="rId2"/>
+          <a:srcRect l="22549" t="13515" r="23918" b="9525"/>
+          <a:stretch/>
+        </p:blipFill>
+        <p:spPr>
+          <a:xfrm>
+            <a:off x="0" y="0"/>
+            <a:ext cx="4873625" cy="4379053"/>
+          </a:xfrm>
+          <a:prstGeom prst="rect">
+            <a:avLst/>
+          </a:prstGeom>
+        </p:spPr>
+      </p:pic>
+    </p:spTree>
+    <p:extLst>
+      <p:ext uri="{BB962C8B-B14F-4D97-AF65-F5344CB8AC3E}">
+        <p14:creationId xmlns:p14="http://schemas.microsoft.com/office/powerpoint/2010/main" val="2390432425"/>
       </p:ext>
     </p:extLst>
   </p:cSld>
